--- a/DL-project-pres.pptx
+++ b/DL-project-pres.pptx
@@ -374,7 +374,7 @@
               <a:pPr>
                 <a:defRPr/>
               </a:pPr>
-              <a:t>‹#›</a:t>
+              <a:t>‹Nr.›</a:t>
             </a:fld>
             <a:endParaRPr lang="de-DE"/>
           </a:p>
@@ -689,7 +689,7 @@
               <a:pPr>
                 <a:defRPr/>
               </a:pPr>
-              <a:t>‹#›</a:t>
+              <a:t>‹Nr.›</a:t>
             </a:fld>
             <a:endParaRPr lang="de-DE"/>
           </a:p>
@@ -829,6 +829,237 @@
 </p:notesMaster>
 </file>
 
+<file path=ppt/notesSlides/notesSlide1.xml><?xml version="1.0" encoding="utf-8"?>
+<p:notes xmlns:a="http://schemas.openxmlformats.org/drawingml/2006/main" xmlns:r="http://schemas.openxmlformats.org/officeDocument/2006/relationships" xmlns:p="http://schemas.openxmlformats.org/presentationml/2006/main">
+  <p:cSld>
+    <p:spTree>
+      <p:nvGrpSpPr>
+        <p:cNvPr id="1" name=""/>
+        <p:cNvGrpSpPr/>
+        <p:nvPr/>
+      </p:nvGrpSpPr>
+      <p:grpSpPr>
+        <a:xfrm>
+          <a:off x="0" y="0"/>
+          <a:ext cx="0" cy="0"/>
+          <a:chOff x="0" y="0"/>
+          <a:chExt cx="0" cy="0"/>
+        </a:xfrm>
+      </p:grpSpPr>
+      <p:sp>
+        <p:nvSpPr>
+          <p:cNvPr id="2" name="Folienbildplatzhalter 1"/>
+          <p:cNvSpPr>
+            <a:spLocks noGrp="1" noRot="1" noChangeAspect="1"/>
+          </p:cNvSpPr>
+          <p:nvPr>
+            <p:ph type="sldImg"/>
+          </p:nvPr>
+        </p:nvSpPr>
+        <p:spPr/>
+      </p:sp>
+      <p:sp>
+        <p:nvSpPr>
+          <p:cNvPr id="3" name="Notizenplatzhalter 2"/>
+          <p:cNvSpPr>
+            <a:spLocks noGrp="1"/>
+          </p:cNvSpPr>
+          <p:nvPr>
+            <p:ph type="body" idx="1"/>
+          </p:nvPr>
+        </p:nvSpPr>
+        <p:spPr/>
+        <p:txBody>
+          <a:bodyPr/>
+          <a:lstStyle/>
+          <a:p>
+            <a:pPr marL="171450" indent="-171450">
+              <a:buFontTx/>
+              <a:buChar char="-"/>
+            </a:pPr>
+            <a:r>
+              <a:rPr lang="de-AT" dirty="0" err="1"/>
+              <a:t>Why</a:t>
+            </a:r>
+            <a:r>
+              <a:rPr lang="de-AT" dirty="0"/>
+              <a:t> </a:t>
+            </a:r>
+            <a:r>
+              <a:rPr lang="de-AT" dirty="0" err="1"/>
+              <a:t>we</a:t>
+            </a:r>
+            <a:r>
+              <a:rPr lang="de-AT" dirty="0"/>
+              <a:t> </a:t>
+            </a:r>
+            <a:r>
+              <a:rPr lang="de-AT" dirty="0" err="1"/>
+              <a:t>chose</a:t>
+            </a:r>
+            <a:r>
+              <a:rPr lang="de-AT" dirty="0"/>
+              <a:t> </a:t>
+            </a:r>
+            <a:r>
+              <a:rPr lang="de-AT" dirty="0" err="1"/>
+              <a:t>the</a:t>
+            </a:r>
+            <a:r>
+              <a:rPr lang="de-AT" dirty="0"/>
+              <a:t> </a:t>
+            </a:r>
+            <a:r>
+              <a:rPr lang="de-AT" dirty="0" err="1"/>
+              <a:t>independent</a:t>
+            </a:r>
+            <a:r>
+              <a:rPr lang="de-AT" dirty="0"/>
+              <a:t> RNN -&gt; </a:t>
+            </a:r>
+            <a:r>
+              <a:rPr lang="de-AT" dirty="0" err="1"/>
+              <a:t>it</a:t>
+            </a:r>
+            <a:r>
+              <a:rPr lang="de-AT" dirty="0"/>
+              <a:t> </a:t>
+            </a:r>
+            <a:r>
+              <a:rPr lang="de-AT" dirty="0" err="1"/>
+              <a:t>perfromed</a:t>
+            </a:r>
+            <a:r>
+              <a:rPr lang="de-AT" dirty="0"/>
+              <a:t> </a:t>
+            </a:r>
+            <a:r>
+              <a:rPr lang="de-AT" dirty="0" err="1"/>
+              <a:t>better</a:t>
+            </a:r>
+            <a:r>
+              <a:rPr lang="de-AT" dirty="0"/>
+              <a:t> </a:t>
+            </a:r>
+            <a:r>
+              <a:rPr lang="de-AT" dirty="0" err="1"/>
+              <a:t>than</a:t>
+            </a:r>
+            <a:r>
+              <a:rPr lang="de-AT" dirty="0"/>
+              <a:t> </a:t>
+            </a:r>
+            <a:r>
+              <a:rPr lang="de-AT" dirty="0" err="1"/>
+              <a:t>the</a:t>
+            </a:r>
+            <a:r>
+              <a:rPr lang="de-AT" dirty="0"/>
+              <a:t> </a:t>
+            </a:r>
+            <a:r>
+              <a:rPr lang="de-AT" dirty="0" err="1"/>
+              <a:t>other</a:t>
+            </a:r>
+            <a:r>
+              <a:rPr lang="de-AT" dirty="0"/>
+              <a:t> </a:t>
+            </a:r>
+            <a:r>
+              <a:rPr lang="de-AT" dirty="0" err="1"/>
+              <a:t>one</a:t>
+            </a:r>
+            <a:endParaRPr lang="de-AT" dirty="0"/>
+          </a:p>
+          <a:p>
+            <a:pPr marL="171450" indent="-171450">
+              <a:buFontTx/>
+              <a:buChar char="-"/>
+            </a:pPr>
+            <a:r>
+              <a:rPr lang="de-AT" dirty="0" err="1"/>
+              <a:t>Local</a:t>
+            </a:r>
+            <a:r>
+              <a:rPr lang="de-AT" dirty="0"/>
+              <a:t> </a:t>
+            </a:r>
+            <a:r>
+              <a:rPr lang="de-AT" dirty="0" err="1"/>
+              <a:t>Iinterpretable</a:t>
+            </a:r>
+            <a:r>
+              <a:rPr lang="de-AT" dirty="0"/>
+              <a:t> model-</a:t>
+            </a:r>
+            <a:r>
+              <a:rPr lang="de-AT" dirty="0" err="1"/>
+              <a:t>Agnostic</a:t>
+            </a:r>
+            <a:r>
+              <a:rPr lang="de-AT" dirty="0"/>
+              <a:t> </a:t>
+            </a:r>
+            <a:r>
+              <a:rPr lang="de-AT" dirty="0" err="1"/>
+              <a:t>Explanations</a:t>
+            </a:r>
+            <a:endParaRPr lang="de-AT" dirty="0"/>
+          </a:p>
+          <a:p>
+            <a:pPr marL="171450" indent="-171450">
+              <a:buFontTx/>
+              <a:buChar char="-"/>
+            </a:pPr>
+            <a:r>
+              <a:rPr lang="en-US" dirty="0"/>
+              <a:t>The independent RNN is close to the baseline, although more complicated -&gt; depends on application</a:t>
+            </a:r>
+          </a:p>
+        </p:txBody>
+      </p:sp>
+      <p:sp>
+        <p:nvSpPr>
+          <p:cNvPr id="4" name="Foliennummernplatzhalter 3"/>
+          <p:cNvSpPr>
+            <a:spLocks noGrp="1"/>
+          </p:cNvSpPr>
+          <p:nvPr>
+            <p:ph type="sldNum" sz="quarter" idx="5"/>
+          </p:nvPr>
+        </p:nvSpPr>
+        <p:spPr/>
+        <p:txBody>
+          <a:bodyPr/>
+          <a:lstStyle/>
+          <a:p>
+            <a:pPr>
+              <a:defRPr/>
+            </a:pPr>
+            <a:fld id="{792047E7-3E0C-6048-A5D9-00D467584168}" type="slidenum">
+              <a:rPr lang="de-DE" smtClean="0"/>
+              <a:pPr>
+                <a:defRPr/>
+              </a:pPr>
+              <a:t>5</a:t>
+            </a:fld>
+            <a:endParaRPr lang="de-DE"/>
+          </a:p>
+        </p:txBody>
+      </p:sp>
+    </p:spTree>
+    <p:extLst>
+      <p:ext uri="{BB962C8B-B14F-4D97-AF65-F5344CB8AC3E}">
+        <p14:creationId xmlns:p14="http://schemas.microsoft.com/office/powerpoint/2010/main" val="2523793361"/>
+      </p:ext>
+    </p:extLst>
+  </p:cSld>
+  <p:clrMapOvr>
+    <a:masterClrMapping/>
+  </p:clrMapOvr>
+</p:notes>
+</file>
+
 <file path=ppt/slideLayouts/slideLayout1.xml><?xml version="1.0" encoding="utf-8"?>
 <p:sldLayout xmlns:a="http://schemas.openxmlformats.org/drawingml/2006/main" xmlns:r="http://schemas.openxmlformats.org/officeDocument/2006/relationships" xmlns:p="http://schemas.openxmlformats.org/presentationml/2006/main" preserve="1" userDrawn="1">
   <p:cSld name="Titelfolie">
@@ -1682,7 +1913,7 @@
               <a:pPr>
                 <a:defRPr/>
               </a:pPr>
-              <a:t>‹#›</a:t>
+              <a:t>‹Nr.›</a:t>
             </a:fld>
             <a:endParaRPr lang="de-DE" dirty="0"/>
           </a:p>
@@ -1858,7 +2089,7 @@
               <a:pPr algn="ctr" eaLnBrk="1" hangingPunct="1">
                 <a:defRPr/>
               </a:pPr>
-              <a:t>‹#›</a:t>
+              <a:t>‹Nr.›</a:t>
             </a:fld>
             <a:endParaRPr lang="de-DE" sz="1200" dirty="0">
               <a:solidFill>
@@ -1909,7 +2140,7 @@
               </a14:hiddenLine>
             </a:ext>
             <a:ext uri="{FAA26D3D-D897-4be2-8F04-BA451C77F1D7}">
-              <ma14:placeholderFlag xmlns="" xmlns:ma14="http://schemas.microsoft.com/office/mac/drawingml/2011/main" val="1"/>
+              <ma14:placeholderFlag xmlns:ma14="http://schemas.microsoft.com/office/mac/drawingml/2011/main" xmlns="" val="1"/>
             </a:ext>
           </a:extLst>
         </p:spPr>
@@ -2007,7 +2238,7 @@
               <a:pPr>
                 <a:defRPr/>
               </a:pPr>
-              <a:t>‹#›</a:t>
+              <a:t>‹Nr.›</a:t>
             </a:fld>
             <a:endParaRPr lang="de-DE" dirty="0"/>
           </a:p>
@@ -2240,7 +2471,7 @@
               <a:pPr>
                 <a:defRPr/>
               </a:pPr>
-              <a:t>‹#›</a:t>
+              <a:t>‹Nr.›</a:t>
             </a:fld>
             <a:endParaRPr lang="de-DE" dirty="0"/>
           </a:p>
@@ -2317,7 +2548,7 @@
               </a14:hiddenLine>
             </a:ext>
             <a:ext uri="{FAA26D3D-D897-4be2-8F04-BA451C77F1D7}">
-              <ma14:placeholderFlag xmlns="" xmlns:ma14="http://schemas.microsoft.com/office/mac/drawingml/2011/main" val="1"/>
+              <ma14:placeholderFlag xmlns:ma14="http://schemas.microsoft.com/office/mac/drawingml/2011/main" xmlns="" val="1"/>
             </a:ext>
           </a:extLst>
         </p:spPr>
@@ -2512,7 +2743,7 @@
               <a:pPr>
                 <a:defRPr/>
               </a:pPr>
-              <a:t>‹#›</a:t>
+              <a:t>‹Nr.›</a:t>
             </a:fld>
             <a:endParaRPr lang="de-DE" dirty="0"/>
           </a:p>
@@ -2688,7 +2919,7 @@
               <a:pPr algn="ctr" eaLnBrk="1" hangingPunct="1">
                 <a:defRPr/>
               </a:pPr>
-              <a:t>‹#›</a:t>
+              <a:t>‹Nr.›</a:t>
             </a:fld>
             <a:endParaRPr lang="de-DE" sz="1200">
               <a:solidFill>
@@ -2771,7 +3002,7 @@
               <a:pPr>
                 <a:defRPr/>
               </a:pPr>
-              <a:t>‹#›</a:t>
+              <a:t>‹Nr.›</a:t>
             </a:fld>
             <a:endParaRPr lang="de-DE" dirty="0"/>
           </a:p>
@@ -2947,7 +3178,7 @@
               <a:pPr algn="ctr" eaLnBrk="1" hangingPunct="1">
                 <a:defRPr/>
               </a:pPr>
-              <a:t>‹#›</a:t>
+              <a:t>‹Nr.›</a:t>
             </a:fld>
             <a:endParaRPr lang="de-DE" sz="1200">
               <a:solidFill>
@@ -3072,7 +3303,7 @@
               <a:pPr>
                 <a:defRPr/>
               </a:pPr>
-              <a:t>‹#›</a:t>
+              <a:t>‹Nr.›</a:t>
             </a:fld>
             <a:endParaRPr lang="de-DE" dirty="0"/>
           </a:p>
@@ -3248,7 +3479,7 @@
               <a:pPr algn="ctr" eaLnBrk="1" hangingPunct="1">
                 <a:defRPr/>
               </a:pPr>
-              <a:t>‹#›</a:t>
+              <a:t>‹Nr.›</a:t>
             </a:fld>
             <a:endParaRPr lang="de-DE" sz="1200">
               <a:solidFill>
@@ -3301,7 +3532,7 @@
               <a:pPr>
                 <a:defRPr/>
               </a:pPr>
-              <a:t>‹#›</a:t>
+              <a:t>‹Nr.›</a:t>
             </a:fld>
             <a:endParaRPr lang="de-DE" dirty="0"/>
           </a:p>
@@ -3576,7 +3807,7 @@
               <a:pPr algn="ctr" eaLnBrk="1" hangingPunct="1">
                 <a:defRPr/>
               </a:pPr>
-              <a:t>‹#›</a:t>
+              <a:t>‹Nr.›</a:t>
             </a:fld>
             <a:endParaRPr lang="de-DE" sz="1200">
               <a:solidFill>
@@ -3686,7 +3917,7 @@
               </a14:hiddenLine>
             </a:ext>
             <a:ext uri="{FAA26D3D-D897-4be2-8F04-BA451C77F1D7}">
-              <ma14:placeholderFlag xmlns="" xmlns:ma14="http://schemas.microsoft.com/office/mac/drawingml/2011/main" val="1"/>
+              <ma14:placeholderFlag xmlns:ma14="http://schemas.microsoft.com/office/mac/drawingml/2011/main" xmlns="" val="1"/>
             </a:ext>
           </a:extLst>
         </p:spPr>
@@ -3748,7 +3979,7 @@
               </a14:hiddenLine>
             </a:ext>
             <a:ext uri="{FAA26D3D-D897-4be2-8F04-BA451C77F1D7}">
-              <ma14:placeholderFlag xmlns="" xmlns:ma14="http://schemas.microsoft.com/office/mac/drawingml/2011/main" val="1"/>
+              <ma14:placeholderFlag xmlns:ma14="http://schemas.microsoft.com/office/mac/drawingml/2011/main" xmlns="" val="1"/>
             </a:ext>
           </a:extLst>
         </p:spPr>
@@ -4052,7 +4283,7 @@
               <a:pPr>
                 <a:defRPr/>
               </a:pPr>
-              <a:t>‹#›</a:t>
+              <a:t>‹Nr.›</a:t>
             </a:fld>
             <a:endParaRPr lang="de-DE" dirty="0"/>
           </a:p>
@@ -5122,56 +5353,6 @@
       </p:grpSpPr>
       <p:sp>
         <p:nvSpPr>
-          <p:cNvPr id="2" name="Content Placeholder 1">
-            <a:extLst>
-              <a:ext uri="{FF2B5EF4-FFF2-40B4-BE49-F238E27FC236}">
-                <a16:creationId xmlns:a16="http://schemas.microsoft.com/office/drawing/2014/main" id="{4C5CDC48-B8FD-4AF2-9419-E30869A3D218}"/>
-              </a:ext>
-            </a:extLst>
-          </p:cNvPr>
-          <p:cNvSpPr>
-            <a:spLocks noGrp="1"/>
-          </p:cNvSpPr>
-          <p:nvPr>
-            <p:ph idx="1"/>
-          </p:nvPr>
-        </p:nvSpPr>
-        <p:spPr>
-          <a:xfrm>
-            <a:off x="219599" y="1647825"/>
-            <a:ext cx="11761199" cy="5022974"/>
-          </a:xfrm>
-        </p:spPr>
-        <p:txBody>
-          <a:bodyPr/>
-          <a:lstStyle/>
-          <a:p>
-            <a:r>
-              <a:rPr lang="de-AT" dirty="0"/>
-              <a:t>Explain why we chose the independent RNN</a:t>
-            </a:r>
-          </a:p>
-          <a:p>
-            <a:r>
-              <a:rPr lang="de-AT" dirty="0"/>
-              <a:t>L</a:t>
-            </a:r>
-            <a:r>
-              <a:rPr lang="en-US" dirty="0"/>
-              <a:t>IME plots of comments (baseline and independent RNN)</a:t>
-            </a:r>
-          </a:p>
-          <a:p>
-            <a:r>
-              <a:rPr lang="en-US" dirty="0"/>
-              <a:t>Conclusion and limitations</a:t>
-            </a:r>
-            <a:endParaRPr lang="de-AT" dirty="0"/>
-          </a:p>
-        </p:txBody>
-      </p:sp>
-      <p:sp>
-        <p:nvSpPr>
           <p:cNvPr id="4" name="Title 3">
             <a:extLst>
               <a:ext uri="{FF2B5EF4-FFF2-40B4-BE49-F238E27FC236}">
@@ -5193,7 +5374,7 @@
           <a:p>
             <a:r>
               <a:rPr lang="de-AT" dirty="0"/>
-              <a:t>Áron: LIME and conclusions</a:t>
+              <a:t>LIME and conclusions</a:t>
             </a:r>
             <a:endParaRPr lang="en-US" dirty="0"/>
           </a:p>
@@ -5231,6 +5412,176 @@
               <a:t>5</a:t>
             </a:fld>
             <a:endParaRPr lang="de-DE" dirty="0"/>
+          </a:p>
+        </p:txBody>
+      </p:sp>
+      <p:pic>
+        <p:nvPicPr>
+          <p:cNvPr id="6" name="Grafik 5" descr="Ein Bild, das Text, Screenshot, Display, Software enthält.&#10;&#10;Automatisch generierte Beschreibung">
+            <a:extLst>
+              <a:ext uri="{FF2B5EF4-FFF2-40B4-BE49-F238E27FC236}">
+                <a16:creationId xmlns:a16="http://schemas.microsoft.com/office/drawing/2014/main" id="{9AC4745B-A59D-8D19-E9D1-DA0AB14B86FC}"/>
+              </a:ext>
+            </a:extLst>
+          </p:cNvPr>
+          <p:cNvPicPr>
+            <a:picLocks noChangeAspect="1"/>
+          </p:cNvPicPr>
+          <p:nvPr/>
+        </p:nvPicPr>
+        <p:blipFill>
+          <a:blip r:embed="rId3"/>
+          <a:stretch>
+            <a:fillRect/>
+          </a:stretch>
+        </p:blipFill>
+        <p:spPr>
+          <a:xfrm>
+            <a:off x="651600" y="1916348"/>
+            <a:ext cx="5025204" cy="4630366"/>
+          </a:xfrm>
+          <a:prstGeom prst="rect">
+            <a:avLst/>
+          </a:prstGeom>
+        </p:spPr>
+      </p:pic>
+      <p:sp>
+        <p:nvSpPr>
+          <p:cNvPr id="7" name="Textfeld 6">
+            <a:extLst>
+              <a:ext uri="{FF2B5EF4-FFF2-40B4-BE49-F238E27FC236}">
+                <a16:creationId xmlns:a16="http://schemas.microsoft.com/office/drawing/2014/main" id="{1968DA84-4CD0-0BFA-018C-F16ADFDB7ECE}"/>
+              </a:ext>
+            </a:extLst>
+          </p:cNvPr>
+          <p:cNvSpPr txBox="1"/>
+          <p:nvPr/>
+        </p:nvSpPr>
+        <p:spPr>
+          <a:xfrm>
+            <a:off x="651600" y="1381328"/>
+            <a:ext cx="5025204" cy="369332"/>
+          </a:xfrm>
+          <a:prstGeom prst="rect">
+            <a:avLst/>
+          </a:prstGeom>
+          <a:noFill/>
+        </p:spPr>
+        <p:txBody>
+          <a:bodyPr wrap="square" rtlCol="0">
+            <a:spAutoFit/>
+          </a:bodyPr>
+          <a:lstStyle/>
+          <a:p>
+            <a:pPr algn="ctr"/>
+            <a:r>
+              <a:rPr lang="de-AT" dirty="0"/>
+              <a:t>Baseline </a:t>
+            </a:r>
+            <a:r>
+              <a:rPr lang="de-AT" dirty="0" err="1"/>
+              <a:t>Logistic</a:t>
+            </a:r>
+            <a:r>
+              <a:rPr lang="de-AT" dirty="0"/>
+              <a:t> Regression Model</a:t>
+            </a:r>
+            <a:endParaRPr lang="en-US" dirty="0"/>
+          </a:p>
+        </p:txBody>
+      </p:sp>
+      <p:pic>
+        <p:nvPicPr>
+          <p:cNvPr id="9" name="Grafik 8" descr="Ein Bild, das Text, Screenshot, Display, Software enthält.&#10;&#10;Automatisch generierte Beschreibung">
+            <a:extLst>
+              <a:ext uri="{FF2B5EF4-FFF2-40B4-BE49-F238E27FC236}">
+                <a16:creationId xmlns:a16="http://schemas.microsoft.com/office/drawing/2014/main" id="{40F6048B-A191-A08D-78D8-2B85428DC82E}"/>
+              </a:ext>
+            </a:extLst>
+          </p:cNvPr>
+          <p:cNvPicPr>
+            <a:picLocks noChangeAspect="1"/>
+          </p:cNvPicPr>
+          <p:nvPr/>
+        </p:nvPicPr>
+        <p:blipFill>
+          <a:blip r:embed="rId4"/>
+          <a:stretch>
+            <a:fillRect/>
+          </a:stretch>
+        </p:blipFill>
+        <p:spPr>
+          <a:xfrm>
+            <a:off x="6515198" y="1916348"/>
+            <a:ext cx="4755343" cy="4630366"/>
+          </a:xfrm>
+          <a:prstGeom prst="rect">
+            <a:avLst/>
+          </a:prstGeom>
+        </p:spPr>
+      </p:pic>
+      <p:sp>
+        <p:nvSpPr>
+          <p:cNvPr id="10" name="Textfeld 9">
+            <a:extLst>
+              <a:ext uri="{FF2B5EF4-FFF2-40B4-BE49-F238E27FC236}">
+                <a16:creationId xmlns:a16="http://schemas.microsoft.com/office/drawing/2014/main" id="{371C7732-5820-30D1-0867-27DDC25AABE9}"/>
+              </a:ext>
+            </a:extLst>
+          </p:cNvPr>
+          <p:cNvSpPr txBox="1"/>
+          <p:nvPr/>
+        </p:nvSpPr>
+        <p:spPr>
+          <a:xfrm>
+            <a:off x="6515198" y="1326362"/>
+            <a:ext cx="4755343" cy="369332"/>
+          </a:xfrm>
+          <a:prstGeom prst="rect">
+            <a:avLst/>
+          </a:prstGeom>
+          <a:noFill/>
+        </p:spPr>
+        <p:txBody>
+          <a:bodyPr wrap="square" rtlCol="0">
+            <a:spAutoFit/>
+          </a:bodyPr>
+          <a:lstStyle/>
+          <a:p>
+            <a:pPr algn="ctr"/>
+            <a:r>
+              <a:rPr lang="de-AT" dirty="0"/>
+              <a:t>RNN </a:t>
+            </a:r>
+            <a:r>
+              <a:rPr lang="de-AT" dirty="0" err="1"/>
+              <a:t>model</a:t>
+            </a:r>
+            <a:r>
+              <a:rPr lang="de-AT" dirty="0"/>
+              <a:t> </a:t>
+            </a:r>
+            <a:r>
+              <a:rPr lang="de-AT" dirty="0" err="1"/>
+              <a:t>with</a:t>
+            </a:r>
+            <a:r>
+              <a:rPr lang="de-AT" dirty="0"/>
+              <a:t> </a:t>
+            </a:r>
+            <a:r>
+              <a:rPr lang="de-AT" dirty="0" err="1"/>
+              <a:t>independent</a:t>
+            </a:r>
+            <a:r>
+              <a:rPr lang="de-AT" dirty="0"/>
+              <a:t> </a:t>
+            </a:r>
+            <a:r>
+              <a:rPr lang="de-AT" dirty="0" err="1"/>
+              <a:t>probabilites</a:t>
+            </a:r>
+            <a:endParaRPr lang="en-US" dirty="0"/>
           </a:p>
         </p:txBody>
       </p:sp>

--- a/DL-project-pres.pptx
+++ b/DL-project-pres.pptx
@@ -374,7 +374,7 @@
               <a:pPr>
                 <a:defRPr/>
               </a:pPr>
-              <a:t>‹Nr.›</a:t>
+              <a:t>‹#›</a:t>
             </a:fld>
             <a:endParaRPr lang="de-DE"/>
           </a:p>
@@ -689,7 +689,7 @@
               <a:pPr>
                 <a:defRPr/>
               </a:pPr>
-              <a:t>‹Nr.›</a:t>
+              <a:t>‹#›</a:t>
             </a:fld>
             <a:endParaRPr lang="de-DE"/>
           </a:p>
@@ -1913,7 +1913,7 @@
               <a:pPr>
                 <a:defRPr/>
               </a:pPr>
-              <a:t>‹Nr.›</a:t>
+              <a:t>‹#›</a:t>
             </a:fld>
             <a:endParaRPr lang="de-DE" dirty="0"/>
           </a:p>
@@ -2089,7 +2089,7 @@
               <a:pPr algn="ctr" eaLnBrk="1" hangingPunct="1">
                 <a:defRPr/>
               </a:pPr>
-              <a:t>‹Nr.›</a:t>
+              <a:t>‹#›</a:t>
             </a:fld>
             <a:endParaRPr lang="de-DE" sz="1200" dirty="0">
               <a:solidFill>
@@ -2140,7 +2140,7 @@
               </a14:hiddenLine>
             </a:ext>
             <a:ext uri="{FAA26D3D-D897-4be2-8F04-BA451C77F1D7}">
-              <ma14:placeholderFlag xmlns:ma14="http://schemas.microsoft.com/office/mac/drawingml/2011/main" xmlns="" val="1"/>
+              <ma14:placeholderFlag xmlns="" xmlns:ma14="http://schemas.microsoft.com/office/mac/drawingml/2011/main" val="1"/>
             </a:ext>
           </a:extLst>
         </p:spPr>
@@ -2238,7 +2238,7 @@
               <a:pPr>
                 <a:defRPr/>
               </a:pPr>
-              <a:t>‹Nr.›</a:t>
+              <a:t>‹#›</a:t>
             </a:fld>
             <a:endParaRPr lang="de-DE" dirty="0"/>
           </a:p>
@@ -2471,7 +2471,7 @@
               <a:pPr>
                 <a:defRPr/>
               </a:pPr>
-              <a:t>‹Nr.›</a:t>
+              <a:t>‹#›</a:t>
             </a:fld>
             <a:endParaRPr lang="de-DE" dirty="0"/>
           </a:p>
@@ -2548,7 +2548,7 @@
               </a14:hiddenLine>
             </a:ext>
             <a:ext uri="{FAA26D3D-D897-4be2-8F04-BA451C77F1D7}">
-              <ma14:placeholderFlag xmlns:ma14="http://schemas.microsoft.com/office/mac/drawingml/2011/main" xmlns="" val="1"/>
+              <ma14:placeholderFlag xmlns="" xmlns:ma14="http://schemas.microsoft.com/office/mac/drawingml/2011/main" val="1"/>
             </a:ext>
           </a:extLst>
         </p:spPr>
@@ -2743,7 +2743,7 @@
               <a:pPr>
                 <a:defRPr/>
               </a:pPr>
-              <a:t>‹Nr.›</a:t>
+              <a:t>‹#›</a:t>
             </a:fld>
             <a:endParaRPr lang="de-DE" dirty="0"/>
           </a:p>
@@ -2919,7 +2919,7 @@
               <a:pPr algn="ctr" eaLnBrk="1" hangingPunct="1">
                 <a:defRPr/>
               </a:pPr>
-              <a:t>‹Nr.›</a:t>
+              <a:t>‹#›</a:t>
             </a:fld>
             <a:endParaRPr lang="de-DE" sz="1200">
               <a:solidFill>
@@ -3002,7 +3002,7 @@
               <a:pPr>
                 <a:defRPr/>
               </a:pPr>
-              <a:t>‹Nr.›</a:t>
+              <a:t>‹#›</a:t>
             </a:fld>
             <a:endParaRPr lang="de-DE" dirty="0"/>
           </a:p>
@@ -3178,7 +3178,7 @@
               <a:pPr algn="ctr" eaLnBrk="1" hangingPunct="1">
                 <a:defRPr/>
               </a:pPr>
-              <a:t>‹Nr.›</a:t>
+              <a:t>‹#›</a:t>
             </a:fld>
             <a:endParaRPr lang="de-DE" sz="1200">
               <a:solidFill>
@@ -3303,7 +3303,7 @@
               <a:pPr>
                 <a:defRPr/>
               </a:pPr>
-              <a:t>‹Nr.›</a:t>
+              <a:t>‹#›</a:t>
             </a:fld>
             <a:endParaRPr lang="de-DE" dirty="0"/>
           </a:p>
@@ -3479,7 +3479,7 @@
               <a:pPr algn="ctr" eaLnBrk="1" hangingPunct="1">
                 <a:defRPr/>
               </a:pPr>
-              <a:t>‹Nr.›</a:t>
+              <a:t>‹#›</a:t>
             </a:fld>
             <a:endParaRPr lang="de-DE" sz="1200">
               <a:solidFill>
@@ -3532,7 +3532,7 @@
               <a:pPr>
                 <a:defRPr/>
               </a:pPr>
-              <a:t>‹Nr.›</a:t>
+              <a:t>‹#›</a:t>
             </a:fld>
             <a:endParaRPr lang="de-DE" dirty="0"/>
           </a:p>
@@ -3807,7 +3807,7 @@
               <a:pPr algn="ctr" eaLnBrk="1" hangingPunct="1">
                 <a:defRPr/>
               </a:pPr>
-              <a:t>‹Nr.›</a:t>
+              <a:t>‹#›</a:t>
             </a:fld>
             <a:endParaRPr lang="de-DE" sz="1200">
               <a:solidFill>
@@ -3917,7 +3917,7 @@
               </a14:hiddenLine>
             </a:ext>
             <a:ext uri="{FAA26D3D-D897-4be2-8F04-BA451C77F1D7}">
-              <ma14:placeholderFlag xmlns:ma14="http://schemas.microsoft.com/office/mac/drawingml/2011/main" xmlns="" val="1"/>
+              <ma14:placeholderFlag xmlns="" xmlns:ma14="http://schemas.microsoft.com/office/mac/drawingml/2011/main" val="1"/>
             </a:ext>
           </a:extLst>
         </p:spPr>
@@ -3979,7 +3979,7 @@
               </a14:hiddenLine>
             </a:ext>
             <a:ext uri="{FAA26D3D-D897-4be2-8F04-BA451C77F1D7}">
-              <ma14:placeholderFlag xmlns:ma14="http://schemas.microsoft.com/office/mac/drawingml/2011/main" xmlns="" val="1"/>
+              <ma14:placeholderFlag xmlns="" xmlns:ma14="http://schemas.microsoft.com/office/mac/drawingml/2011/main" val="1"/>
             </a:ext>
           </a:extLst>
         </p:spPr>
@@ -4283,7 +4283,7 @@
               <a:pPr>
                 <a:defRPr/>
               </a:pPr>
-              <a:t>‹Nr.›</a:t>
+              <a:t>‹#›</a:t>
             </a:fld>
             <a:endParaRPr lang="de-DE" dirty="0"/>
           </a:p>
@@ -4954,7 +4954,7 @@
           <a:p>
             <a:r>
               <a:rPr lang="de-AT" dirty="0"/>
-              <a:t>Naida: Problem formulation, data structure</a:t>
+              <a:t>Introduction</a:t>
             </a:r>
             <a:endParaRPr lang="en-US" dirty="0"/>
           </a:p>
@@ -5014,7 +5014,7 @@
         <p:spPr>
           <a:xfrm>
             <a:off x="219600" y="1372799"/>
-            <a:ext cx="5704950" cy="5450400"/>
+            <a:ext cx="5672045" cy="5450400"/>
           </a:xfrm>
         </p:spPr>
         <p:txBody>
@@ -5022,22 +5022,145 @@
           <a:lstStyle/>
           <a:p>
             <a:r>
-              <a:rPr lang="de-AT" dirty="0"/>
-              <a:t>What we want to do</a:t>
-            </a:r>
-          </a:p>
-          <a:p>
-            <a:r>
-              <a:rPr lang="de-AT" dirty="0"/>
-              <a:t>How the data looks like (e.g. screenshot of dataframe)</a:t>
-            </a:r>
-          </a:p>
-          <a:p>
-            <a:r>
-              <a:rPr lang="de-AT" dirty="0"/>
-              <a:t>Preprocessing steps</a:t>
-            </a:r>
-            <a:endParaRPr lang="en-US" dirty="0"/>
+              <a:rPr lang="en-US" dirty="0"/>
+              <a:t>A multi-label text classification task</a:t>
+            </a:r>
+            <a:r>
+              <a:rPr lang="de-AT" dirty="0"/>
+              <a:t>.</a:t>
+            </a:r>
+          </a:p>
+          <a:p>
+            <a:r>
+              <a:rPr lang="en-US" dirty="0"/>
+              <a:t>Six toxicity labels (toxic, severe toxic, obscene, threat, insult and identity hate).</a:t>
+            </a:r>
+          </a:p>
+          <a:p>
+            <a:r>
+              <a:rPr lang="en-US" b="1" dirty="0"/>
+              <a:t>Data Cleaning</a:t>
+            </a:r>
+            <a:r>
+              <a:rPr lang="en-US" dirty="0"/>
+              <a:t>: removal of links, punctuation, special characters, numbers, and newline characters, conversion to lowercase.</a:t>
+            </a:r>
+          </a:p>
+          <a:p>
+            <a:r>
+              <a:rPr lang="en-US" b="1" dirty="0"/>
+              <a:t>Data Preprocessing: </a:t>
+            </a:r>
+            <a:r>
+              <a:rPr lang="en-US" dirty="0"/>
+              <a:t>tokenization, lemmatization, and </a:t>
+            </a:r>
+            <a:r>
+              <a:rPr lang="en-US" dirty="0" err="1"/>
+              <a:t>stopword</a:t>
+            </a:r>
+            <a:r>
+              <a:rPr lang="en-US" dirty="0"/>
+              <a:t> removal </a:t>
+            </a:r>
+            <a:endParaRPr lang="de-AT" b="1" dirty="0"/>
+          </a:p>
+        </p:txBody>
+      </p:sp>
+      <p:pic>
+        <p:nvPicPr>
+          <p:cNvPr id="6" name="Picture 5">
+            <a:extLst>
+              <a:ext uri="{FF2B5EF4-FFF2-40B4-BE49-F238E27FC236}">
+                <a16:creationId xmlns:a16="http://schemas.microsoft.com/office/drawing/2014/main" id="{24017707-4EC0-44E0-A60A-5030C00B0980}"/>
+              </a:ext>
+            </a:extLst>
+          </p:cNvPr>
+          <p:cNvPicPr>
+            <a:picLocks noChangeAspect="1"/>
+          </p:cNvPicPr>
+          <p:nvPr/>
+        </p:nvPicPr>
+        <p:blipFill>
+          <a:blip r:embed="rId2"/>
+          <a:stretch>
+            <a:fillRect/>
+          </a:stretch>
+        </p:blipFill>
+        <p:spPr>
+          <a:xfrm>
+            <a:off x="6670965" y="1242372"/>
+            <a:ext cx="4852634" cy="1456230"/>
+          </a:xfrm>
+          <a:prstGeom prst="rect">
+            <a:avLst/>
+          </a:prstGeom>
+        </p:spPr>
+      </p:pic>
+      <p:pic>
+        <p:nvPicPr>
+          <p:cNvPr id="8" name="Picture 7">
+            <a:extLst>
+              <a:ext uri="{FF2B5EF4-FFF2-40B4-BE49-F238E27FC236}">
+                <a16:creationId xmlns:a16="http://schemas.microsoft.com/office/drawing/2014/main" id="{9EF8905E-2448-45F5-95EF-D86AAF4681D2}"/>
+              </a:ext>
+            </a:extLst>
+          </p:cNvPr>
+          <p:cNvPicPr>
+            <a:picLocks noChangeAspect="1"/>
+          </p:cNvPicPr>
+          <p:nvPr/>
+        </p:nvPicPr>
+        <p:blipFill>
+          <a:blip r:embed="rId3"/>
+          <a:stretch>
+            <a:fillRect/>
+          </a:stretch>
+        </p:blipFill>
+        <p:spPr>
+          <a:xfrm>
+            <a:off x="6096000" y="2806730"/>
+            <a:ext cx="5579831" cy="3851399"/>
+          </a:xfrm>
+          <a:prstGeom prst="rect">
+            <a:avLst/>
+          </a:prstGeom>
+        </p:spPr>
+      </p:pic>
+      <p:sp>
+        <p:nvSpPr>
+          <p:cNvPr id="9" name="TextBox 8">
+            <a:extLst>
+              <a:ext uri="{FF2B5EF4-FFF2-40B4-BE49-F238E27FC236}">
+                <a16:creationId xmlns:a16="http://schemas.microsoft.com/office/drawing/2014/main" id="{A4FA8133-6A55-4B51-BF70-B662C7AFA279}"/>
+              </a:ext>
+            </a:extLst>
+          </p:cNvPr>
+          <p:cNvSpPr txBox="1"/>
+          <p:nvPr/>
+        </p:nvSpPr>
+        <p:spPr>
+          <a:xfrm>
+            <a:off x="651600" y="103908"/>
+            <a:ext cx="5153892" cy="307777"/>
+          </a:xfrm>
+          <a:prstGeom prst="rect">
+            <a:avLst/>
+          </a:prstGeom>
+          <a:solidFill>
+            <a:schemeClr val="bg1"/>
+          </a:solidFill>
+        </p:spPr>
+        <p:txBody>
+          <a:bodyPr wrap="square" rtlCol="0">
+            <a:spAutoFit/>
+          </a:bodyPr>
+          <a:lstStyle/>
+          <a:p>
+            <a:r>
+              <a:rPr lang="en-US" sz="1400" dirty="0"/>
+              <a:t>Toxic comment classification with an RNN</a:t>
+            </a:r>
           </a:p>
         </p:txBody>
       </p:sp>
@@ -5186,6 +5309,43 @@
           </a:p>
         </p:txBody>
       </p:sp>
+      <p:sp>
+        <p:nvSpPr>
+          <p:cNvPr id="6" name="TextBox 5">
+            <a:extLst>
+              <a:ext uri="{FF2B5EF4-FFF2-40B4-BE49-F238E27FC236}">
+                <a16:creationId xmlns:a16="http://schemas.microsoft.com/office/drawing/2014/main" id="{C5B6249F-3554-4206-BE97-E3E809FFC709}"/>
+              </a:ext>
+            </a:extLst>
+          </p:cNvPr>
+          <p:cNvSpPr txBox="1"/>
+          <p:nvPr/>
+        </p:nvSpPr>
+        <p:spPr>
+          <a:xfrm>
+            <a:off x="651600" y="103908"/>
+            <a:ext cx="5153892" cy="307777"/>
+          </a:xfrm>
+          <a:prstGeom prst="rect">
+            <a:avLst/>
+          </a:prstGeom>
+          <a:solidFill>
+            <a:schemeClr val="bg1"/>
+          </a:solidFill>
+        </p:spPr>
+        <p:txBody>
+          <a:bodyPr wrap="square" rtlCol="0">
+            <a:spAutoFit/>
+          </a:bodyPr>
+          <a:lstStyle/>
+          <a:p>
+            <a:r>
+              <a:rPr lang="en-US" sz="1400" dirty="0"/>
+              <a:t>Toxic comment classification with an RNN</a:t>
+            </a:r>
+          </a:p>
+        </p:txBody>
+      </p:sp>
     </p:spTree>
     <p:extLst>
       <p:ext uri="{BB962C8B-B14F-4D97-AF65-F5344CB8AC3E}">
@@ -5318,6 +5478,43 @@
           </a:p>
           <a:p>
             <a:endParaRPr lang="en-US" dirty="0"/>
+          </a:p>
+        </p:txBody>
+      </p:sp>
+      <p:sp>
+        <p:nvSpPr>
+          <p:cNvPr id="6" name="TextBox 5">
+            <a:extLst>
+              <a:ext uri="{FF2B5EF4-FFF2-40B4-BE49-F238E27FC236}">
+                <a16:creationId xmlns:a16="http://schemas.microsoft.com/office/drawing/2014/main" id="{ED2E0434-50F9-46A0-B88A-BAF4B2F505B5}"/>
+              </a:ext>
+            </a:extLst>
+          </p:cNvPr>
+          <p:cNvSpPr txBox="1"/>
+          <p:nvPr/>
+        </p:nvSpPr>
+        <p:spPr>
+          <a:xfrm>
+            <a:off x="651600" y="103908"/>
+            <a:ext cx="5153892" cy="307777"/>
+          </a:xfrm>
+          <a:prstGeom prst="rect">
+            <a:avLst/>
+          </a:prstGeom>
+          <a:solidFill>
+            <a:schemeClr val="bg1"/>
+          </a:solidFill>
+        </p:spPr>
+        <p:txBody>
+          <a:bodyPr wrap="square" rtlCol="0">
+            <a:spAutoFit/>
+          </a:bodyPr>
+          <a:lstStyle/>
+          <a:p>
+            <a:r>
+              <a:rPr lang="en-US" sz="1400" dirty="0"/>
+              <a:t>Toxic comment classification with an RNN</a:t>
+            </a:r>
           </a:p>
         </p:txBody>
       </p:sp>
@@ -5582,6 +5779,43 @@
               <a:t>probabilites</a:t>
             </a:r>
             <a:endParaRPr lang="en-US" dirty="0"/>
+          </a:p>
+        </p:txBody>
+      </p:sp>
+      <p:sp>
+        <p:nvSpPr>
+          <p:cNvPr id="8" name="TextBox 7">
+            <a:extLst>
+              <a:ext uri="{FF2B5EF4-FFF2-40B4-BE49-F238E27FC236}">
+                <a16:creationId xmlns:a16="http://schemas.microsoft.com/office/drawing/2014/main" id="{DE3ED7AB-2CE9-41B9-A4E8-EBC9D11E2256}"/>
+              </a:ext>
+            </a:extLst>
+          </p:cNvPr>
+          <p:cNvSpPr txBox="1"/>
+          <p:nvPr/>
+        </p:nvSpPr>
+        <p:spPr>
+          <a:xfrm>
+            <a:off x="651600" y="103908"/>
+            <a:ext cx="5153892" cy="307777"/>
+          </a:xfrm>
+          <a:prstGeom prst="rect">
+            <a:avLst/>
+          </a:prstGeom>
+          <a:solidFill>
+            <a:schemeClr val="bg1"/>
+          </a:solidFill>
+        </p:spPr>
+        <p:txBody>
+          <a:bodyPr wrap="square" rtlCol="0">
+            <a:spAutoFit/>
+          </a:bodyPr>
+          <a:lstStyle/>
+          <a:p>
+            <a:r>
+              <a:rPr lang="en-US" sz="1400" dirty="0"/>
+              <a:t>Toxic comment classification with an RNN</a:t>
+            </a:r>
           </a:p>
         </p:txBody>
       </p:sp>

--- a/DL-project-pres.pptx
+++ b/DL-project-pres.pptx
@@ -283,7 +283,7 @@
               <a:pPr>
                 <a:defRPr/>
               </a:pPr>
-              <a:t>25.01.2025</a:t>
+              <a:t>27.01.2025</a:t>
             </a:fld>
             <a:endParaRPr lang="de-DE"/>
           </a:p>
@@ -499,7 +499,7 @@
               <a:pPr>
                 <a:defRPr/>
               </a:pPr>
-              <a:t>25.01.2025</a:t>
+              <a:t>27.01.2025</a:t>
             </a:fld>
             <a:endParaRPr lang="de-DE"/>
           </a:p>
@@ -1777,7 +1777,7 @@
               <a:pPr>
                 <a:defRPr/>
               </a:pPr>
-              <a:t>25.01.2025</a:t>
+              <a:t>27.01.2025</a:t>
             </a:fld>
             <a:endParaRPr lang="de-DE" dirty="0"/>
           </a:p>
@@ -2140,7 +2140,7 @@
               </a14:hiddenLine>
             </a:ext>
             <a:ext uri="{FAA26D3D-D897-4be2-8F04-BA451C77F1D7}">
-              <ma14:placeholderFlag xmlns="" xmlns:ma14="http://schemas.microsoft.com/office/mac/drawingml/2011/main" val="1"/>
+              <ma14:placeholderFlag xmlns:ma14="http://schemas.microsoft.com/office/mac/drawingml/2011/main" xmlns="" val="1"/>
             </a:ext>
           </a:extLst>
         </p:spPr>
@@ -2548,7 +2548,7 @@
               </a14:hiddenLine>
             </a:ext>
             <a:ext uri="{FAA26D3D-D897-4be2-8F04-BA451C77F1D7}">
-              <ma14:placeholderFlag xmlns="" xmlns:ma14="http://schemas.microsoft.com/office/mac/drawingml/2011/main" val="1"/>
+              <ma14:placeholderFlag xmlns:ma14="http://schemas.microsoft.com/office/mac/drawingml/2011/main" xmlns="" val="1"/>
             </a:ext>
           </a:extLst>
         </p:spPr>
@@ -3917,7 +3917,7 @@
               </a14:hiddenLine>
             </a:ext>
             <a:ext uri="{FAA26D3D-D897-4be2-8F04-BA451C77F1D7}">
-              <ma14:placeholderFlag xmlns="" xmlns:ma14="http://schemas.microsoft.com/office/mac/drawingml/2011/main" val="1"/>
+              <ma14:placeholderFlag xmlns:ma14="http://schemas.microsoft.com/office/mac/drawingml/2011/main" xmlns="" val="1"/>
             </a:ext>
           </a:extLst>
         </p:spPr>
@@ -3979,7 +3979,7 @@
               </a14:hiddenLine>
             </a:ext>
             <a:ext uri="{FAA26D3D-D897-4be2-8F04-BA451C77F1D7}">
-              <ma14:placeholderFlag xmlns="" xmlns:ma14="http://schemas.microsoft.com/office/mac/drawingml/2011/main" val="1"/>
+              <ma14:placeholderFlag xmlns:ma14="http://schemas.microsoft.com/office/mac/drawingml/2011/main" xmlns="" val="1"/>
             </a:ext>
           </a:extLst>
         </p:spPr>
@@ -5014,7 +5014,7 @@
         <p:spPr>
           <a:xfrm>
             <a:off x="219600" y="1372799"/>
-            <a:ext cx="5672045" cy="5450400"/>
+            <a:ext cx="6750703" cy="5450400"/>
           </a:xfrm>
         </p:spPr>
         <p:txBody>
@@ -5022,57 +5022,57 @@
           <a:lstStyle/>
           <a:p>
             <a:r>
-              <a:rPr lang="en-US" dirty="0"/>
+              <a:rPr lang="en-US" sz="1800" dirty="0"/>
               <a:t>A multi-label text classification task</a:t>
             </a:r>
             <a:r>
-              <a:rPr lang="de-AT" dirty="0"/>
+              <a:rPr lang="de-AT" sz="1800" dirty="0"/>
               <a:t>.</a:t>
             </a:r>
           </a:p>
           <a:p>
             <a:r>
-              <a:rPr lang="en-US" dirty="0"/>
+              <a:rPr lang="en-US" sz="1800" dirty="0"/>
               <a:t>Six toxicity labels (toxic, severe toxic, obscene, threat, insult and identity hate).</a:t>
             </a:r>
           </a:p>
           <a:p>
             <a:r>
-              <a:rPr lang="en-US" b="1" dirty="0"/>
+              <a:rPr lang="en-US" sz="1800" b="1" dirty="0"/>
               <a:t>Data Cleaning</a:t>
             </a:r>
             <a:r>
-              <a:rPr lang="en-US" dirty="0"/>
+              <a:rPr lang="en-US" sz="1800" dirty="0"/>
               <a:t>: removal of links, punctuation, special characters, numbers, and newline characters, conversion to lowercase.</a:t>
             </a:r>
           </a:p>
           <a:p>
             <a:r>
-              <a:rPr lang="en-US" b="1" dirty="0"/>
+              <a:rPr lang="en-US" sz="1800" b="1" dirty="0"/>
               <a:t>Data Preprocessing: </a:t>
             </a:r>
             <a:r>
-              <a:rPr lang="en-US" dirty="0"/>
+              <a:rPr lang="en-US" sz="1800" dirty="0"/>
               <a:t>tokenization, lemmatization, and </a:t>
             </a:r>
             <a:r>
-              <a:rPr lang="en-US" dirty="0" err="1"/>
+              <a:rPr lang="en-US" sz="1800" dirty="0" err="1"/>
               <a:t>stopword</a:t>
             </a:r>
             <a:r>
-              <a:rPr lang="en-US" dirty="0"/>
+              <a:rPr lang="en-US" sz="1800" dirty="0"/>
               <a:t> removal </a:t>
             </a:r>
-            <a:endParaRPr lang="de-AT" b="1" dirty="0"/>
+            <a:endParaRPr lang="de-AT" sz="1800" b="1" dirty="0"/>
           </a:p>
         </p:txBody>
       </p:sp>
       <p:pic>
         <p:nvPicPr>
-          <p:cNvPr id="6" name="Picture 5">
+          <p:cNvPr id="8" name="Picture 7">
             <a:extLst>
               <a:ext uri="{FF2B5EF4-FFF2-40B4-BE49-F238E27FC236}">
-                <a16:creationId xmlns:a16="http://schemas.microsoft.com/office/drawing/2014/main" id="{24017707-4EC0-44E0-A60A-5030C00B0980}"/>
+                <a16:creationId xmlns:a16="http://schemas.microsoft.com/office/drawing/2014/main" id="{9EF8905E-2448-45F5-95EF-D86AAF4681D2}"/>
               </a:ext>
             </a:extLst>
           </p:cNvPr>
@@ -5089,38 +5089,8 @@
         </p:blipFill>
         <p:spPr>
           <a:xfrm>
-            <a:off x="6670965" y="1242372"/>
-            <a:ext cx="4852634" cy="1456230"/>
-          </a:xfrm>
-          <a:prstGeom prst="rect">
-            <a:avLst/>
-          </a:prstGeom>
-        </p:spPr>
-      </p:pic>
-      <p:pic>
-        <p:nvPicPr>
-          <p:cNvPr id="8" name="Picture 7">
-            <a:extLst>
-              <a:ext uri="{FF2B5EF4-FFF2-40B4-BE49-F238E27FC236}">
-                <a16:creationId xmlns:a16="http://schemas.microsoft.com/office/drawing/2014/main" id="{9EF8905E-2448-45F5-95EF-D86AAF4681D2}"/>
-              </a:ext>
-            </a:extLst>
-          </p:cNvPr>
-          <p:cNvPicPr>
-            <a:picLocks noChangeAspect="1"/>
-          </p:cNvPicPr>
-          <p:nvPr/>
-        </p:nvPicPr>
-        <p:blipFill>
-          <a:blip r:embed="rId3"/>
-          <a:stretch>
-            <a:fillRect/>
-          </a:stretch>
-        </p:blipFill>
-        <p:spPr>
-          <a:xfrm>
-            <a:off x="6096000" y="2806730"/>
-            <a:ext cx="5579831" cy="3851399"/>
+            <a:off x="7271291" y="654137"/>
+            <a:ext cx="4500687" cy="3106535"/>
           </a:xfrm>
           <a:prstGeom prst="rect">
             <a:avLst/>
@@ -5164,6 +5134,66 @@
           </a:p>
         </p:txBody>
       </p:sp>
+      <p:pic>
+        <p:nvPicPr>
+          <p:cNvPr id="7" name="Picture 6">
+            <a:extLst>
+              <a:ext uri="{FF2B5EF4-FFF2-40B4-BE49-F238E27FC236}">
+                <a16:creationId xmlns:a16="http://schemas.microsoft.com/office/drawing/2014/main" id="{F380E9A7-6198-405E-B351-437F828B8543}"/>
+              </a:ext>
+            </a:extLst>
+          </p:cNvPr>
+          <p:cNvPicPr>
+            <a:picLocks noChangeAspect="1"/>
+          </p:cNvPicPr>
+          <p:nvPr/>
+        </p:nvPicPr>
+        <p:blipFill>
+          <a:blip r:embed="rId3"/>
+          <a:stretch>
+            <a:fillRect/>
+          </a:stretch>
+        </p:blipFill>
+        <p:spPr>
+          <a:xfrm>
+            <a:off x="441000" y="4538848"/>
+            <a:ext cx="6482071" cy="1226747"/>
+          </a:xfrm>
+          <a:prstGeom prst="rect">
+            <a:avLst/>
+          </a:prstGeom>
+        </p:spPr>
+      </p:pic>
+      <p:pic>
+        <p:nvPicPr>
+          <p:cNvPr id="11" name="Picture 10">
+            <a:extLst>
+              <a:ext uri="{FF2B5EF4-FFF2-40B4-BE49-F238E27FC236}">
+                <a16:creationId xmlns:a16="http://schemas.microsoft.com/office/drawing/2014/main" id="{32027785-CFA8-4F6D-93AD-B96B0440F4DE}"/>
+              </a:ext>
+            </a:extLst>
+          </p:cNvPr>
+          <p:cNvPicPr>
+            <a:picLocks noChangeAspect="1"/>
+          </p:cNvPicPr>
+          <p:nvPr/>
+        </p:nvPicPr>
+        <p:blipFill>
+          <a:blip r:embed="rId4"/>
+          <a:stretch>
+            <a:fillRect/>
+          </a:stretch>
+        </p:blipFill>
+        <p:spPr>
+          <a:xfrm>
+            <a:off x="7673365" y="3760672"/>
+            <a:ext cx="4247421" cy="2993420"/>
+          </a:xfrm>
+          <a:prstGeom prst="rect">
+            <a:avLst/>
+          </a:prstGeom>
+        </p:spPr>
+      </p:pic>
     </p:spTree>
     <p:extLst>
       <p:ext uri="{BB962C8B-B14F-4D97-AF65-F5344CB8AC3E}">
